--- a/PPGTI1007-DSL - Trabalho Final - CNL.pptx
+++ b/PPGTI1007-DSL - Trabalho Final - CNL.pptx
@@ -11130,7 +11130,19 @@
             </a:pPr>
             <a:r>
               <a:rPr lang="pt-BR" dirty="0"/>
-              <a:t>Como uma regra geral, onde houver espaços será necessário utilizar aspas duplas. Isto também vale para datas, nomes, etc.</a:t>
+              <a:t>Como uma regra geral, </a:t>
+            </a:r>
+            <a:r>
+              <a:rPr lang="pt-BR" dirty="0">
+                <a:highlight>
+                  <a:srgbClr val="00FFFF"/>
+                </a:highlight>
+              </a:rPr>
+              <a:t>onde houver espaços</a:t>
+            </a:r>
+            <a:r>
+              <a:rPr lang="pt-BR" dirty="0"/>
+              <a:t> será necessário utilizar aspas duplas. Isto também vale para datas, nomes, etc.</a:t>
             </a:r>
           </a:p>
         </p:txBody>
@@ -16187,7 +16199,7 @@
             </a:pPr>
             <a:r>
               <a:rPr lang="pt-BR" dirty="0"/>
-              <a:t>Datas e horas serão formatadas para o padrão </a:t>
+              <a:t>Datas e horas serão formatadas no padrão “</a:t>
             </a:r>
             <a:r>
               <a:rPr lang="pt-BR" dirty="0" err="1"/>
@@ -16195,7 +16207,15 @@
             </a:r>
             <a:r>
               <a:rPr lang="pt-BR" dirty="0"/>
-              <a:t>/mm/YY H:M:S</a:t>
+              <a:t>/mm/</a:t>
+            </a:r>
+            <a:r>
+              <a:rPr lang="pt-BR" dirty="0" err="1"/>
+              <a:t>yyyy</a:t>
+            </a:r>
+            <a:r>
+              <a:rPr lang="pt-BR" dirty="0"/>
+              <a:t> HH:MM:SS”</a:t>
             </a:r>
             <a:endParaRPr dirty="0"/>
           </a:p>
@@ -22640,7 +22660,15 @@
             </a:pPr>
             <a:r>
               <a:rPr lang="pt-BR" dirty="0"/>
-              <a:t>Valida os operandos válidos nas operações e métodos.</a:t>
+              <a:t>Valida os </a:t>
+            </a:r>
+            <a:r>
+              <a:rPr lang="pt-BR"/>
+              <a:t>operandos nas </a:t>
+            </a:r>
+            <a:r>
+              <a:rPr lang="pt-BR" dirty="0"/>
+              <a:t>operações e métodos.</a:t>
             </a:r>
             <a:endParaRPr dirty="0"/>
           </a:p>
@@ -25201,16 +25229,15 @@
           </p:cNvPicPr>
           <p:nvPr/>
         </p:nvPicPr>
-        <p:blipFill>
+        <p:blipFill rotWithShape="1">
           <a:blip r:embed="rId4"/>
-          <a:stretch>
-            <a:fillRect/>
-          </a:stretch>
+          <a:srcRect b="9360"/>
+          <a:stretch/>
         </p:blipFill>
         <p:spPr>
           <a:xfrm>
-            <a:off x="5065771" y="1379893"/>
-            <a:ext cx="4078229" cy="2828197"/>
+            <a:off x="5065771" y="1379894"/>
+            <a:ext cx="4078229" cy="2563470"/>
           </a:xfrm>
           <a:prstGeom prst="rect">
             <a:avLst/>
@@ -25556,16 +25583,15 @@
           </p:cNvPicPr>
           <p:nvPr/>
         </p:nvPicPr>
-        <p:blipFill>
+        <p:blipFill rotWithShape="1">
           <a:blip r:embed="rId3"/>
-          <a:stretch>
-            <a:fillRect/>
-          </a:stretch>
+          <a:srcRect b="10375"/>
+          <a:stretch/>
         </p:blipFill>
         <p:spPr>
           <a:xfrm>
             <a:off x="112975" y="1284195"/>
-            <a:ext cx="4631808" cy="2843186"/>
+            <a:ext cx="4631808" cy="2548217"/>
           </a:xfrm>
           <a:prstGeom prst="rect">
             <a:avLst/>
@@ -25586,16 +25612,15 @@
           </p:cNvPicPr>
           <p:nvPr/>
         </p:nvPicPr>
-        <p:blipFill>
+        <p:blipFill rotWithShape="1">
           <a:blip r:embed="rId4"/>
-          <a:stretch>
-            <a:fillRect/>
-          </a:stretch>
+          <a:srcRect b="10902"/>
+          <a:stretch/>
         </p:blipFill>
         <p:spPr>
           <a:xfrm>
             <a:off x="4753349" y="1265010"/>
-            <a:ext cx="4277676" cy="2881556"/>
+            <a:ext cx="4277676" cy="2567402"/>
           </a:xfrm>
           <a:prstGeom prst="rect">
             <a:avLst/>
@@ -25946,16 +25971,15 @@
           </p:cNvPicPr>
           <p:nvPr/>
         </p:nvPicPr>
-        <p:blipFill>
+        <p:blipFill rotWithShape="1">
           <a:blip r:embed="rId3"/>
-          <a:stretch>
-            <a:fillRect/>
-          </a:stretch>
+          <a:srcRect b="9742"/>
+          <a:stretch/>
         </p:blipFill>
         <p:spPr>
           <a:xfrm>
             <a:off x="2285999" y="1182117"/>
-            <a:ext cx="4572001" cy="3100262"/>
+            <a:ext cx="4572001" cy="2798212"/>
           </a:xfrm>
           <a:prstGeom prst="rect">
             <a:avLst/>
